--- a/ppt/최종도서관리.pptx
+++ b/ppt/최종도서관리.pptx
@@ -7140,15 +7140,6 @@
               </a:rPr>
               <a:t>. DB + Java</a:t>
             </a:r>
-            <a:endParaRPr lang="en-US" altLang="ko-KR" sz="1600" dirty="0" smtClean="0">
-              <a:solidFill>
-                <a:schemeClr val="bg1">
-                  <a:lumMod val="65000"/>
-                </a:schemeClr>
-              </a:solidFill>
-              <a:latin typeface="HY헤드라인M" pitchFamily="18" charset="-127"/>
-              <a:ea typeface="HY헤드라인M" pitchFamily="18" charset="-127"/>
-            </a:endParaRPr>
           </a:p>
           <a:p>
             <a:pPr marL="285750" indent="-285750">
@@ -7179,15 +7170,6 @@
               </a:rPr>
               <a:t>.</a:t>
             </a:r>
-            <a:endParaRPr lang="en-US" altLang="ko-KR" sz="1600" dirty="0" smtClean="0">
-              <a:solidFill>
-                <a:schemeClr val="bg1">
-                  <a:lumMod val="65000"/>
-                </a:schemeClr>
-              </a:solidFill>
-              <a:latin typeface="HY헤드라인M" pitchFamily="18" charset="-127"/>
-              <a:ea typeface="HY헤드라인M" pitchFamily="18" charset="-127"/>
-            </a:endParaRPr>
           </a:p>
           <a:p>
             <a:pPr marL="285750" indent="-285750">
@@ -7276,19 +7258,7 @@
                 <a:latin typeface="HY헤드라인M" pitchFamily="18" charset="-127"/>
                 <a:ea typeface="HY헤드라인M" pitchFamily="18" charset="-127"/>
               </a:rPr>
-              <a:t>으로 </a:t>
-            </a:r>
-            <a:r>
-              <a:rPr lang="ko-KR" altLang="en-US" sz="1600" dirty="0" smtClean="0">
-                <a:solidFill>
-                  <a:schemeClr val="bg1">
-                    <a:lumMod val="65000"/>
-                  </a:schemeClr>
-                </a:solidFill>
-                <a:latin typeface="HY헤드라인M" pitchFamily="18" charset="-127"/>
-                <a:ea typeface="HY헤드라인M" pitchFamily="18" charset="-127"/>
-              </a:rPr>
-              <a:t>고객이 더욱 쉽게 접근 </a:t>
+              <a:t>으로 고객이 더욱 쉽게 접근 </a:t>
             </a:r>
             <a:r>
               <a:rPr lang="ko-KR" altLang="en-US" sz="1600" dirty="0" err="1" smtClean="0">
@@ -7985,7 +7955,7 @@
           <p:cNvPr id="30" name="직사각형 29">
             <a:extLst>
               <a:ext uri="{FF2B5EF4-FFF2-40B4-BE49-F238E27FC236}">
-                <a16:creationId xmlns:a16="http://schemas.microsoft.com/office/drawing/2014/main" xmlns="" id="{3FA00699-5178-465A-9F3F-130CF1431F70}"/>
+                <a16:creationId xmlns="" xmlns:a16="http://schemas.microsoft.com/office/drawing/2014/main" id="{3FA00699-5178-465A-9F3F-130CF1431F70}"/>
               </a:ext>
             </a:extLst>
           </p:cNvPr>
@@ -8046,7 +8016,7 @@
           <p:cNvPr id="31" name="직사각형 30">
             <a:extLst>
               <a:ext uri="{FF2B5EF4-FFF2-40B4-BE49-F238E27FC236}">
-                <a16:creationId xmlns:a16="http://schemas.microsoft.com/office/drawing/2014/main" xmlns="" id="{3FA00699-5178-465A-9F3F-130CF1431F70}"/>
+                <a16:creationId xmlns="" xmlns:a16="http://schemas.microsoft.com/office/drawing/2014/main" id="{3FA00699-5178-465A-9F3F-130CF1431F70}"/>
               </a:ext>
             </a:extLst>
           </p:cNvPr>
@@ -8099,7 +8069,7 @@
           <p:cNvPr id="32" name="직사각형 31">
             <a:extLst>
               <a:ext uri="{FF2B5EF4-FFF2-40B4-BE49-F238E27FC236}">
-                <a16:creationId xmlns:a16="http://schemas.microsoft.com/office/drawing/2014/main" xmlns="" id="{3FA00699-5178-465A-9F3F-130CF1431F70}"/>
+                <a16:creationId xmlns="" xmlns:a16="http://schemas.microsoft.com/office/drawing/2014/main" id="{3FA00699-5178-465A-9F3F-130CF1431F70}"/>
               </a:ext>
             </a:extLst>
           </p:cNvPr>
@@ -8180,7 +8150,7 @@
           <p:cNvPr id="33" name="직사각형 32">
             <a:extLst>
               <a:ext uri="{FF2B5EF4-FFF2-40B4-BE49-F238E27FC236}">
-                <a16:creationId xmlns:a16="http://schemas.microsoft.com/office/drawing/2014/main" xmlns="" id="{3FA00699-5178-465A-9F3F-130CF1431F70}"/>
+                <a16:creationId xmlns="" xmlns:a16="http://schemas.microsoft.com/office/drawing/2014/main" id="{3FA00699-5178-465A-9F3F-130CF1431F70}"/>
               </a:ext>
             </a:extLst>
           </p:cNvPr>
@@ -8233,7 +8203,7 @@
           <p:cNvPr id="34" name="직사각형 33">
             <a:extLst>
               <a:ext uri="{FF2B5EF4-FFF2-40B4-BE49-F238E27FC236}">
-                <a16:creationId xmlns:a16="http://schemas.microsoft.com/office/drawing/2014/main" xmlns="" id="{3FA00699-5178-465A-9F3F-130CF1431F70}"/>
+                <a16:creationId xmlns="" xmlns:a16="http://schemas.microsoft.com/office/drawing/2014/main" id="{3FA00699-5178-465A-9F3F-130CF1431F70}"/>
               </a:ext>
             </a:extLst>
           </p:cNvPr>
@@ -8291,7 +8261,7 @@
           <p:cNvPr id="35" name="직사각형 34">
             <a:extLst>
               <a:ext uri="{FF2B5EF4-FFF2-40B4-BE49-F238E27FC236}">
-                <a16:creationId xmlns:a16="http://schemas.microsoft.com/office/drawing/2014/main" xmlns="" id="{3FA00699-5178-465A-9F3F-130CF1431F70}"/>
+                <a16:creationId xmlns="" xmlns:a16="http://schemas.microsoft.com/office/drawing/2014/main" id="{3FA00699-5178-465A-9F3F-130CF1431F70}"/>
               </a:ext>
             </a:extLst>
           </p:cNvPr>
@@ -9138,15 +9108,7 @@
                   <a:schemeClr val="accent5"/>
                 </a:solidFill>
               </a:rPr>
-              <a:t>	</a:t>
-            </a:r>
-            <a:r>
-              <a:rPr lang="en-US" altLang="ko-KR" sz="1400" dirty="0" smtClean="0">
-                <a:solidFill>
-                  <a:schemeClr val="accent5"/>
-                </a:solidFill>
-              </a:rPr>
-              <a:t>	</a:t>
+              <a:t>		</a:t>
             </a:r>
             <a:endParaRPr lang="ko-KR" altLang="en-US" sz="1400" dirty="0">
               <a:solidFill>
@@ -10077,7 +10039,7 @@
         </p:blipFill>
         <p:spPr>
           <a:xfrm>
-            <a:off x="1979712" y="3933055"/>
+            <a:off x="1988239" y="3689113"/>
             <a:ext cx="1440160" cy="2105649"/>
           </a:xfrm>
           <a:prstGeom prst="rect">
@@ -10101,7 +10063,7 @@
         </p:blipFill>
         <p:spPr>
           <a:xfrm>
-            <a:off x="4223657" y="3933055"/>
+            <a:off x="4163628" y="3689113"/>
             <a:ext cx="1500471" cy="2105649"/>
           </a:xfrm>
           <a:prstGeom prst="rect">
@@ -10117,7 +10079,7 @@
         </p:nvSpPr>
         <p:spPr>
           <a:xfrm>
-            <a:off x="1991408" y="3925156"/>
+            <a:off x="1991408" y="3701219"/>
             <a:ext cx="1428463" cy="2113547"/>
           </a:xfrm>
           <a:prstGeom prst="rect">
@@ -10210,7 +10172,7 @@
         </p:nvSpPr>
         <p:spPr>
           <a:xfrm>
-            <a:off x="4224159" y="3939065"/>
+            <a:off x="4150117" y="3672984"/>
             <a:ext cx="1067921" cy="2099638"/>
           </a:xfrm>
           <a:prstGeom prst="rect">
@@ -10262,13 +10224,15 @@
       <p:cxnSp>
         <p:nvCxnSpPr>
           <p:cNvPr id="44" name="직선 화살표 연결선 43"/>
-          <p:cNvCxnSpPr/>
+          <p:cNvCxnSpPr>
+            <a:stCxn id="43" idx="0"/>
+          </p:cNvCxnSpPr>
           <p:nvPr/>
         </p:nvCxnSpPr>
         <p:spPr>
           <a:xfrm flipH="1" flipV="1">
-            <a:off x="4644008" y="3446416"/>
-            <a:ext cx="40070" cy="463758"/>
+            <a:off x="4684077" y="3524599"/>
+            <a:ext cx="1" cy="148385"/>
           </a:xfrm>
           <a:prstGeom prst="straightConnector1">
             <a:avLst/>
@@ -10528,6 +10492,42 @@
           </a:prstGeom>
         </p:spPr>
       </p:pic>
+      <p:cxnSp>
+        <p:nvCxnSpPr>
+          <p:cNvPr id="9" name="구부러진 연결선 8"/>
+          <p:cNvCxnSpPr/>
+          <p:nvPr/>
+        </p:nvCxnSpPr>
+        <p:spPr>
+          <a:xfrm rot="16200000" flipH="1">
+            <a:off x="858897" y="2571877"/>
+            <a:ext cx="1484354" cy="774330"/>
+          </a:xfrm>
+          <a:prstGeom prst="curvedConnector3">
+            <a:avLst/>
+          </a:prstGeom>
+          <a:ln>
+            <a:solidFill>
+              <a:srgbClr val="FF0000"/>
+            </a:solidFill>
+            <a:tailEnd type="triangle"/>
+          </a:ln>
+        </p:spPr>
+        <p:style>
+          <a:lnRef idx="1">
+            <a:schemeClr val="accent1"/>
+          </a:lnRef>
+          <a:fillRef idx="0">
+            <a:schemeClr val="accent1"/>
+          </a:fillRef>
+          <a:effectRef idx="0">
+            <a:schemeClr val="accent1"/>
+          </a:effectRef>
+          <a:fontRef idx="minor">
+            <a:schemeClr val="tx1"/>
+          </a:fontRef>
+        </p:style>
+      </p:cxnSp>
     </p:spTree>
     <p:extLst>
       <p:ext uri="{BB962C8B-B14F-4D97-AF65-F5344CB8AC3E}">
@@ -11220,6 +11220,42 @@
           <a:xfrm>
             <a:off x="6300192" y="5686061"/>
             <a:ext cx="0" cy="119203"/>
+          </a:xfrm>
+          <a:prstGeom prst="straightConnector1">
+            <a:avLst/>
+          </a:prstGeom>
+          <a:ln>
+            <a:solidFill>
+              <a:srgbClr val="FF0000"/>
+            </a:solidFill>
+            <a:tailEnd type="triangle"/>
+          </a:ln>
+        </p:spPr>
+        <p:style>
+          <a:lnRef idx="1">
+            <a:schemeClr val="accent1"/>
+          </a:lnRef>
+          <a:fillRef idx="0">
+            <a:schemeClr val="accent1"/>
+          </a:fillRef>
+          <a:effectRef idx="0">
+            <a:schemeClr val="accent1"/>
+          </a:effectRef>
+          <a:fontRef idx="minor">
+            <a:schemeClr val="tx1"/>
+          </a:fontRef>
+        </p:style>
+      </p:cxnSp>
+      <p:cxnSp>
+        <p:nvCxnSpPr>
+          <p:cNvPr id="6" name="직선 화살표 연결선 5"/>
+          <p:cNvCxnSpPr/>
+          <p:nvPr/>
+        </p:nvCxnSpPr>
+        <p:spPr>
+          <a:xfrm>
+            <a:off x="2272690" y="3429001"/>
+            <a:ext cx="0" cy="1176940"/>
           </a:xfrm>
           <a:prstGeom prst="straightConnector1">
             <a:avLst/>
@@ -11655,8 +11691,8 @@
         </p:nvCxnSpPr>
         <p:spPr>
           <a:xfrm flipH="1">
-            <a:off x="6951916" y="4005064"/>
-            <a:ext cx="353502" cy="0"/>
+            <a:off x="6983374" y="4722685"/>
+            <a:ext cx="299530" cy="146475"/>
           </a:xfrm>
           <a:prstGeom prst="straightConnector1">
             <a:avLst/>
@@ -11784,13 +11820,13 @@
         </p:nvCxnSpPr>
         <p:spPr>
           <a:xfrm>
-            <a:off x="5004048" y="2276872"/>
-            <a:ext cx="0" cy="1296144"/>
+            <a:off x="6983374" y="2264287"/>
+            <a:ext cx="0" cy="1380737"/>
           </a:xfrm>
           <a:prstGeom prst="straightConnector1">
             <a:avLst/>
           </a:prstGeom>
-          <a:ln>
+          <a:ln w="38100">
             <a:solidFill>
               <a:srgbClr val="FF0000"/>
             </a:solidFill>
@@ -12055,6 +12091,42 @@
           </a:p>
         </p:txBody>
       </p:sp>
+      <p:cxnSp>
+        <p:nvCxnSpPr>
+          <p:cNvPr id="21" name="직선 화살표 연결선 20"/>
+          <p:cNvCxnSpPr/>
+          <p:nvPr/>
+        </p:nvCxnSpPr>
+        <p:spPr>
+          <a:xfrm flipH="1" flipV="1">
+            <a:off x="6936186" y="2264286"/>
+            <a:ext cx="346719" cy="1"/>
+          </a:xfrm>
+          <a:prstGeom prst="straightConnector1">
+            <a:avLst/>
+          </a:prstGeom>
+          <a:ln w="28575">
+            <a:solidFill>
+              <a:srgbClr val="FF0000"/>
+            </a:solidFill>
+            <a:tailEnd type="triangle"/>
+          </a:ln>
+        </p:spPr>
+        <p:style>
+          <a:lnRef idx="1">
+            <a:schemeClr val="accent1"/>
+          </a:lnRef>
+          <a:fillRef idx="0">
+            <a:schemeClr val="accent1"/>
+          </a:fillRef>
+          <a:effectRef idx="0">
+            <a:schemeClr val="accent1"/>
+          </a:effectRef>
+          <a:fontRef idx="minor">
+            <a:schemeClr val="tx1"/>
+          </a:fontRef>
+        </p:style>
+      </p:cxnSp>
     </p:spTree>
     <p:extLst>
       <p:ext uri="{BB962C8B-B14F-4D97-AF65-F5344CB8AC3E}">
